--- a/Machine Learning & Deep Learning.pptx
+++ b/Machine Learning & Deep Learning.pptx
@@ -2563,7 +2563,7 @@
         <p:spPr>
           <a:xfrm>
             <a:off x="566638" y="3778751"/>
-            <a:ext cx="2122170" cy="243656"/>
+            <a:ext cx="6062762" cy="913070"/>
           </a:xfrm>
           <a:prstGeom prst="rect">
             <a:avLst/>
@@ -2584,7 +2584,7 @@
               </a:spcBef>
             </a:pPr>
             <a:r>
-              <a:rPr lang="en-US" sz="1500" spc="30" dirty="0">
+              <a:rPr lang="en-US" sz="2000" spc="30" dirty="0">
                 <a:solidFill>
                   <a:srgbClr val="414042"/>
                 </a:solidFill>
@@ -2593,9 +2593,118 @@
               </a:rPr>
               <a:t>Subikash Pal</a:t>
             </a:r>
-            <a:endParaRPr sz="1500" dirty="0">
+          </a:p>
+          <a:p>
+            <a:pPr marL="12700" marR="5080">
+              <a:lnSpc>
+                <a:spcPct val="100000"/>
+              </a:lnSpc>
+              <a:spcBef>
+                <a:spcPts val="100"/>
+              </a:spcBef>
+            </a:pPr>
+            <a:r>
+              <a:rPr lang="en-US" sz="1200" spc="30" dirty="0">
+                <a:solidFill>
+                  <a:srgbClr val="414042"/>
+                </a:solidFill>
+                <a:latin typeface="Trebuchet MS"/>
+                <a:cs typeface="Trebuchet MS"/>
+              </a:rPr>
+              <a:t>GitHub: </a:t>
+            </a:r>
+            <a:r>
+              <a:rPr lang="en-US" sz="1200" spc="30" dirty="0">
+                <a:solidFill>
+                  <a:srgbClr val="414042"/>
+                </a:solidFill>
+                <a:latin typeface="Trebuchet MS"/>
+                <a:cs typeface="Trebuchet MS"/>
+                <a:hlinkClick r:id="rId4"/>
+              </a:rPr>
+              <a:t>https://github.com/Subikash/</a:t>
+            </a:r>
+            <a:endParaRPr lang="en-US" sz="1200" spc="30" dirty="0">
+              <a:solidFill>
+                <a:srgbClr val="414042"/>
+              </a:solidFill>
               <a:latin typeface="Trebuchet MS"/>
               <a:cs typeface="Trebuchet MS"/>
+            </a:endParaRPr>
+          </a:p>
+          <a:p>
+            <a:pPr marL="12700" marR="5080" fontAlgn="base">
+              <a:spcBef>
+                <a:spcPts val="100"/>
+              </a:spcBef>
+            </a:pPr>
+            <a:r>
+              <a:rPr lang="en-US" sz="1200" spc="30" dirty="0" err="1">
+                <a:solidFill>
+                  <a:srgbClr val="414042"/>
+                </a:solidFill>
+                <a:latin typeface="Trebuchet MS"/>
+                <a:cs typeface="Trebuchet MS"/>
+              </a:rPr>
+              <a:t>Linkedin</a:t>
+            </a:r>
+            <a:r>
+              <a:rPr lang="en-US" sz="1200" spc="30" dirty="0">
+                <a:solidFill>
+                  <a:srgbClr val="414042"/>
+                </a:solidFill>
+                <a:latin typeface="Trebuchet MS"/>
+                <a:cs typeface="Trebuchet MS"/>
+              </a:rPr>
+              <a:t>: </a:t>
+            </a:r>
+            <a:r>
+              <a:rPr lang="en-US" sz="1200" spc="30" dirty="0">
+                <a:solidFill>
+                  <a:srgbClr val="414042"/>
+                </a:solidFill>
+                <a:latin typeface="Trebuchet MS"/>
+                <a:hlinkClick r:id="rId5"/>
+              </a:rPr>
+              <a:t>www.linkedin.com/in/subikash-pal-4b5b1524</a:t>
+            </a:r>
+            <a:endParaRPr lang="en-US" sz="1200" spc="30" dirty="0">
+              <a:solidFill>
+                <a:srgbClr val="414042"/>
+              </a:solidFill>
+              <a:latin typeface="Trebuchet MS"/>
+            </a:endParaRPr>
+          </a:p>
+          <a:p>
+            <a:pPr marL="12700" marR="5080" fontAlgn="base">
+              <a:spcBef>
+                <a:spcPts val="100"/>
+              </a:spcBef>
+            </a:pPr>
+            <a:r>
+              <a:rPr lang="en-US" sz="1200" spc="30" dirty="0">
+                <a:solidFill>
+                  <a:srgbClr val="414042"/>
+                </a:solidFill>
+                <a:latin typeface="Trebuchet MS"/>
+              </a:rPr>
+              <a:t>Kaggle  :</a:t>
+            </a:r>
+            <a:r>
+              <a:rPr lang="en-US" sz="1200" spc="30" dirty="0">
+                <a:solidFill>
+                  <a:srgbClr val="414042"/>
+                </a:solidFill>
+                <a:latin typeface="Trebuchet MS"/>
+                <a:hlinkClick r:id="rId6"/>
+              </a:rPr>
+              <a:t>https://www.kaggle.com/subikashpal</a:t>
+            </a:r>
+            <a:endParaRPr lang="en-US" sz="1200" spc="30" dirty="0">
+              <a:solidFill>
+                <a:srgbClr val="414042"/>
+              </a:solidFill>
+              <a:latin typeface="Trebuchet MS"/>
             </a:endParaRPr>
           </a:p>
         </p:txBody>
